--- a/TP4/Presentacion de Componentes.pptx
+++ b/TP4/Presentacion de Componentes.pptx
@@ -114,6 +114,11 @@
       </a:defRPr>
     </a:lvl9pPr>
   </p:defaultTextStyle>
+  <p:extLst>
+    <p:ext uri="{EFAFB233-063F-42B5-8137-9DF3F51BA10A}">
+      <p15:sldGuideLst xmlns:p15="http://schemas.microsoft.com/office/powerpoint/2012/main"/>
+    </p:ext>
+  </p:extLst>
 </p:presentation>
 </file>
 
@@ -346,7 +351,7 @@
           <a:p>
             <a:fld id="{45A29FEC-9FE8-4DA6-9686-9B39238E0E60}" type="datetimeFigureOut">
               <a:rPr lang="es-AR" smtClean="0"/>
-              <a:t>26/05/2021</a:t>
+              <a:t>04/06/2021</a:t>
             </a:fld>
             <a:endParaRPr lang="es-AR"/>
           </a:p>
@@ -680,7 +685,7 @@
           <a:p>
             <a:fld id="{45A29FEC-9FE8-4DA6-9686-9B39238E0E60}" type="datetimeFigureOut">
               <a:rPr lang="es-AR" smtClean="0"/>
-              <a:t>26/05/2021</a:t>
+              <a:t>04/06/2021</a:t>
             </a:fld>
             <a:endParaRPr lang="es-AR"/>
           </a:p>
@@ -958,7 +963,7 @@
           <a:p>
             <a:fld id="{45A29FEC-9FE8-4DA6-9686-9B39238E0E60}" type="datetimeFigureOut">
               <a:rPr lang="es-AR" smtClean="0"/>
-              <a:t>26/05/2021</a:t>
+              <a:t>04/06/2021</a:t>
             </a:fld>
             <a:endParaRPr lang="es-AR"/>
           </a:p>
@@ -1526,7 +1531,7 @@
           <a:p>
             <a:fld id="{45A29FEC-9FE8-4DA6-9686-9B39238E0E60}" type="datetimeFigureOut">
               <a:rPr lang="es-AR" smtClean="0"/>
-              <a:t>26/05/2021</a:t>
+              <a:t>04/06/2021</a:t>
             </a:fld>
             <a:endParaRPr lang="es-AR"/>
           </a:p>
@@ -1804,7 +1809,7 @@
           <a:p>
             <a:fld id="{45A29FEC-9FE8-4DA6-9686-9B39238E0E60}" type="datetimeFigureOut">
               <a:rPr lang="es-AR" smtClean="0"/>
-              <a:t>26/05/2021</a:t>
+              <a:t>04/06/2021</a:t>
             </a:fld>
             <a:endParaRPr lang="es-AR"/>
           </a:p>
@@ -2366,7 +2371,7 @@
           <a:p>
             <a:fld id="{45A29FEC-9FE8-4DA6-9686-9B39238E0E60}" type="datetimeFigureOut">
               <a:rPr lang="es-AR" smtClean="0"/>
-              <a:t>26/05/2021</a:t>
+              <a:t>04/06/2021</a:t>
             </a:fld>
             <a:endParaRPr lang="es-AR"/>
           </a:p>
@@ -2693,7 +2698,7 @@
           <a:p>
             <a:fld id="{45A29FEC-9FE8-4DA6-9686-9B39238E0E60}" type="datetimeFigureOut">
               <a:rPr lang="es-AR" smtClean="0"/>
-              <a:t>26/05/2021</a:t>
+              <a:t>04/06/2021</a:t>
             </a:fld>
             <a:endParaRPr lang="es-AR"/>
           </a:p>
@@ -2898,7 +2903,7 @@
           <a:p>
             <a:fld id="{45A29FEC-9FE8-4DA6-9686-9B39238E0E60}" type="datetimeFigureOut">
               <a:rPr lang="es-AR" smtClean="0"/>
-              <a:t>26/05/2021</a:t>
+              <a:t>04/06/2021</a:t>
             </a:fld>
             <a:endParaRPr lang="es-AR"/>
           </a:p>
@@ -3108,7 +3113,7 @@
           <a:p>
             <a:fld id="{45A29FEC-9FE8-4DA6-9686-9B39238E0E60}" type="datetimeFigureOut">
               <a:rPr lang="es-AR" smtClean="0"/>
-              <a:t>26/05/2021</a:t>
+              <a:t>04/06/2021</a:t>
             </a:fld>
             <a:endParaRPr lang="es-AR"/>
           </a:p>
@@ -3308,7 +3313,7 @@
           <a:p>
             <a:fld id="{45A29FEC-9FE8-4DA6-9686-9B39238E0E60}" type="datetimeFigureOut">
               <a:rPr lang="es-AR" smtClean="0"/>
-              <a:t>26/05/2021</a:t>
+              <a:t>04/06/2021</a:t>
             </a:fld>
             <a:endParaRPr lang="es-AR"/>
           </a:p>
@@ -3584,7 +3589,7 @@
           <a:p>
             <a:fld id="{45A29FEC-9FE8-4DA6-9686-9B39238E0E60}" type="datetimeFigureOut">
               <a:rPr lang="es-AR" smtClean="0"/>
-              <a:t>26/05/2021</a:t>
+              <a:t>04/06/2021</a:t>
             </a:fld>
             <a:endParaRPr lang="es-AR"/>
           </a:p>
@@ -3850,7 +3855,7 @@
           <a:p>
             <a:fld id="{45A29FEC-9FE8-4DA6-9686-9B39238E0E60}" type="datetimeFigureOut">
               <a:rPr lang="es-AR" smtClean="0"/>
-              <a:t>26/05/2021</a:t>
+              <a:t>04/06/2021</a:t>
             </a:fld>
             <a:endParaRPr lang="es-AR"/>
           </a:p>
@@ -4224,7 +4229,7 @@
           <a:p>
             <a:fld id="{45A29FEC-9FE8-4DA6-9686-9B39238E0E60}" type="datetimeFigureOut">
               <a:rPr lang="es-AR" smtClean="0"/>
-              <a:t>26/05/2021</a:t>
+              <a:t>04/06/2021</a:t>
             </a:fld>
             <a:endParaRPr lang="es-AR"/>
           </a:p>
@@ -4372,7 +4377,7 @@
           <a:p>
             <a:fld id="{45A29FEC-9FE8-4DA6-9686-9B39238E0E60}" type="datetimeFigureOut">
               <a:rPr lang="es-AR" smtClean="0"/>
-              <a:t>26/05/2021</a:t>
+              <a:t>04/06/2021</a:t>
             </a:fld>
             <a:endParaRPr lang="es-AR"/>
           </a:p>
@@ -4497,7 +4502,7 @@
           <a:p>
             <a:fld id="{45A29FEC-9FE8-4DA6-9686-9B39238E0E60}" type="datetimeFigureOut">
               <a:rPr lang="es-AR" smtClean="0"/>
-              <a:t>26/05/2021</a:t>
+              <a:t>04/06/2021</a:t>
             </a:fld>
             <a:endParaRPr lang="es-AR"/>
           </a:p>
@@ -4782,7 +4787,7 @@
           <a:p>
             <a:fld id="{45A29FEC-9FE8-4DA6-9686-9B39238E0E60}" type="datetimeFigureOut">
               <a:rPr lang="es-AR" smtClean="0"/>
-              <a:t>26/05/2021</a:t>
+              <a:t>04/06/2021</a:t>
             </a:fld>
             <a:endParaRPr lang="es-AR"/>
           </a:p>
@@ -5106,7 +5111,7 @@
           <a:p>
             <a:fld id="{45A29FEC-9FE8-4DA6-9686-9B39238E0E60}" type="datetimeFigureOut">
               <a:rPr lang="es-AR" smtClean="0"/>
-              <a:t>26/05/2021</a:t>
+              <a:t>04/06/2021</a:t>
             </a:fld>
             <a:endParaRPr lang="es-AR"/>
           </a:p>
@@ -5320,7 +5325,7 @@
           <a:p>
             <a:fld id="{45A29FEC-9FE8-4DA6-9686-9B39238E0E60}" type="datetimeFigureOut">
               <a:rPr lang="es-AR" smtClean="0"/>
-              <a:t>26/05/2021</a:t>
+              <a:t>04/06/2021</a:t>
             </a:fld>
             <a:endParaRPr lang="es-AR"/>
           </a:p>
@@ -6017,47 +6022,82 @@
       </p:sp>
       <p:sp>
         <p:nvSpPr>
-          <p:cNvPr id="8" name="Marcador de posición de imagen 7"/>
-          <p:cNvSpPr>
-            <a:spLocks noGrp="1"/>
-          </p:cNvSpPr>
+          <p:cNvPr id="9" name="Marcador de texto 8"/>
+          <p:cNvSpPr>
+            <a:spLocks noGrp="1"/>
+          </p:cNvSpPr>
+          <p:nvPr>
+            <p:ph type="body" sz="half" idx="2"/>
+          </p:nvPr>
+        </p:nvSpPr>
+        <p:spPr/>
+        <p:txBody>
+          <a:bodyPr/>
+          <a:lstStyle/>
+          <a:p>
+            <a:r>
+              <a:rPr lang="es-AR" dirty="0" smtClean="0"/>
+              <a:t>Es </a:t>
+            </a:r>
+            <a:r>
+              <a:rPr lang="es-AR" dirty="0"/>
+              <a:t>un </a:t>
+            </a:r>
+            <a:r>
+              <a:rPr lang="es-AR" dirty="0" smtClean="0"/>
+              <a:t>widget </a:t>
+            </a:r>
+            <a:r>
+              <a:rPr lang="es-AR" dirty="0"/>
+              <a:t>que permite que otras aplicaciones de tu dispositivo Android muestren contenido web, sin tener que abrir un navegador web</a:t>
+            </a:r>
+            <a:endParaRPr lang="es-AR" dirty="0"/>
+          </a:p>
+        </p:txBody>
+      </p:sp>
+      <p:pic>
+        <p:nvPicPr>
+          <p:cNvPr id="6148" name="Picture 4" descr="https://lh3.googleusercontent.com/fdiVNM_-NO906BBJ84D_zO3Rt9t6bdNPsVIBxhid9WmmWmZMkMrcvRhHUjwfHYQ1uQ7HvmrTWTBFRH_egrqCTYhAN-nHtb5XPRDrQod6-oKUkISM0y6qRy4uh9c_0g-rTNjWwtFDcVm5v71M0wJF5qRW1wCBNLJLH4nfUkRmhU26vpoIL_wtj67cBf9QtpS8aiZSyYWgi2l3VACIh3EQDAZjaqyn_SofVvK03dI1wuYn_j1HaZxj1NgEuLs6kTyjGxjk7OYCEm_ppskH8HAAT-adBZ22xaa9tZzaJkOLgFPdWhnrH4J_eszEqICyD5z1zIURNBhghdo4vPTpCVyW9Eqy-pb2D-qlzC0ozwDYdYXyqZKzY9wPYk16anMGjy1vdtaZgN9OQrACBhO-H1jVB7Ecl-JsuZELeT2RIAqF4sH3sjeFbk-_QRNHlw2Tf436HEb_NevzJelBCmlh6BHDOdqO95Evr4G5S3HZLM-mUySYaCgwCeSsP_xgiCdF6dpGP5nhH46Aa2Nzr05Gc5pNRAN-LECk8GdsA_Rf4EvebBYOljXS-JhfWMgXnhBKuZkxFllyhysQYZrj9EzCCTQdBXo8kUBfgmNPDpXILWlWxxJYhsEdXHxn0zY1YNL5WzswcoKfGvmbJcUFX-aufyPt_PnNr8h-cRWjhyAVHUUy0sKBsRbeMd57ObboUOXj55xoMnQ-RbGAGE-LRJDAx-CnBJ0Z=w334-h667-no?authuser=0"/>
+          <p:cNvPicPr>
+            <a:picLocks noGrp="1" noChangeAspect="1" noChangeArrowheads="1"/>
+          </p:cNvPicPr>
           <p:nvPr>
             <p:ph type="pic" idx="1"/>
           </p:nvPr>
-        </p:nvSpPr>
-        <p:spPr/>
-      </p:sp>
-      <p:sp>
-        <p:nvSpPr>
-          <p:cNvPr id="9" name="Marcador de texto 8"/>
-          <p:cNvSpPr>
-            <a:spLocks noGrp="1"/>
-          </p:cNvSpPr>
-          <p:nvPr>
-            <p:ph type="body" sz="half" idx="2"/>
-          </p:nvPr>
-        </p:nvSpPr>
-        <p:spPr/>
-        <p:txBody>
-          <a:bodyPr/>
-          <a:lstStyle/>
-          <a:p>
-            <a:r>
-              <a:rPr lang="es-AR" dirty="0" smtClean="0"/>
-              <a:t>Poder mostrar contenido </a:t>
-            </a:r>
-            <a:r>
-              <a:rPr lang="es-AR" dirty="0"/>
-              <a:t>web, sin tener que abrir un navegador </a:t>
-            </a:r>
-            <a:r>
-              <a:rPr lang="es-AR" dirty="0" smtClean="0"/>
-              <a:t>web.</a:t>
-            </a:r>
-            <a:endParaRPr lang="es-AR" dirty="0"/>
-          </a:p>
-        </p:txBody>
-      </p:sp>
+        </p:nvPicPr>
+        <p:blipFill>
+          <a:blip r:embed="rId2">
+            <a:extLst>
+              <a:ext uri="{28A0092B-C50C-407E-A947-70E740481C1C}">
+                <a14:useLocalDpi xmlns:a14="http://schemas.microsoft.com/office/drawing/2010/main" val="0"/>
+              </a:ext>
+            </a:extLst>
+          </a:blip>
+          <a:srcRect t="4128" b="4128"/>
+          <a:stretch>
+            <a:fillRect/>
+          </a:stretch>
+        </p:blipFill>
+        <p:spPr bwMode="auto">
+          <a:xfrm>
+            <a:off x="7535863" y="241300"/>
+            <a:ext cx="3281362" cy="6011863"/>
+          </a:xfrm>
+          <a:prstGeom prst="rect">
+            <a:avLst/>
+          </a:prstGeom>
+          <a:noFill/>
+          <a:extLst>
+            <a:ext uri="{909E8E84-426E-40DD-AFC4-6F175D3DCCD1}">
+              <a14:hiddenFill xmlns:a14="http://schemas.microsoft.com/office/drawing/2010/main">
+                <a:solidFill>
+                  <a:srgbClr val="FFFFFF"/>
+                </a:solidFill>
+              </a14:hiddenFill>
+            </a:ext>
+          </a:extLst>
+        </p:spPr>
+      </p:pic>
     </p:spTree>
     <p:extLst>
       <p:ext uri="{BB962C8B-B14F-4D97-AF65-F5344CB8AC3E}">
@@ -6192,45 +6232,78 @@
       </p:sp>
       <p:sp>
         <p:nvSpPr>
-          <p:cNvPr id="3" name="Marcador de posición de imagen 2"/>
-          <p:cNvSpPr>
-            <a:spLocks noGrp="1"/>
-          </p:cNvSpPr>
+          <p:cNvPr id="4" name="Marcador de texto 3"/>
+          <p:cNvSpPr>
+            <a:spLocks noGrp="1"/>
+          </p:cNvSpPr>
+          <p:nvPr>
+            <p:ph type="body" sz="half" idx="2"/>
+          </p:nvPr>
+        </p:nvSpPr>
+        <p:spPr/>
+        <p:txBody>
+          <a:bodyPr/>
+          <a:lstStyle/>
+          <a:p>
+            <a:r>
+              <a:rPr lang="es-AR" dirty="0"/>
+              <a:t>E</a:t>
+            </a:r>
+            <a:r>
+              <a:rPr lang="es-AR" dirty="0" smtClean="0"/>
+              <a:t>s </a:t>
+            </a:r>
+            <a:r>
+              <a:rPr lang="es-AR" dirty="0"/>
+              <a:t>un widget utilizado para mostrar un reloj de dos manecillas en el que uno sirve para indicar la hora y el otro es para indicar los minutos. Esta clase quedó en desuso en el nivel 23 de api. </a:t>
+            </a:r>
+            <a:endParaRPr lang="es-AR" dirty="0"/>
+          </a:p>
+        </p:txBody>
+      </p:sp>
+      <p:pic>
+        <p:nvPicPr>
+          <p:cNvPr id="2052" name="Picture 4" descr="https://lh3.googleusercontent.com/TWqCnIxkvH9-jqUH-Mitcc4tZxxHrZKf9KwQBg7hY6Z8QOfGNCU4bfpQnmiayiMG8qpnTpWfUFCtXZjMp_FQt1O2yigSnwTtyKVSsG4tsq-b1MuLaBdXRiLriyeYVSJS_ewSN-x3ZPnYrAGr9TzzFswcA4Y_8ad_8yuBxS3ElZ0_Aj6WO2L2r8ZXKnfD9SKrKfHLzTUyWhecUVRax6jS7oqRntiICXtxe5k5yE8lhS6dUlCcxU6hboK9PhSu8R6Ytkh_Mb9LPpYOnFLAGkAxLWI_8fqmydj19Ssb9grrCfJR9zQFfEqSQv7DMKCw72VlXQQV8tnto1ED4VGwnuZd62Lf7uMMjrHVFokT6u4QOE1qbgiIl3RI6PE7qzWE9aTA1Q8bpIQKGTwd_RTOt5mKOmiTaUUWefNfmvIa0L9Lnh8QMRjn6R8hBvLtUyJzDc5KVWfQKM5R9hVdDvYhJC0r8l8HSJ3hpNQ3SU3t2bGDyB5_i3k9kPYbsPf7U58Ur_kPjPx1R7rFPRWcWsZ_559sFWYmQE0mPUH3bWMIwkwi8urG_gA0xruxRZLGF_Em3xMvpkKlbOtXxtFAKbSwWIbNpUOKRDLYGOVbaQU6pqTw5BnqQWLOhLVkVDNvRcuKRkB5DEXEWJHktpOiAEmqOf-zxyW1NvNXvKvMGnqQgEjZUYb98z4glBnEabZYBpYZ26pT0BMuK_M94WmGsJjrZ3bOMp0Q=w334-h667-no?authuser=0"/>
+          <p:cNvPicPr>
+            <a:picLocks noGrp="1" noChangeAspect="1" noChangeArrowheads="1"/>
+          </p:cNvPicPr>
           <p:nvPr>
             <p:ph type="pic" idx="1"/>
           </p:nvPr>
-        </p:nvSpPr>
-        <p:spPr/>
-      </p:sp>
-      <p:sp>
-        <p:nvSpPr>
-          <p:cNvPr id="4" name="Marcador de texto 3"/>
-          <p:cNvSpPr>
-            <a:spLocks noGrp="1"/>
-          </p:cNvSpPr>
-          <p:nvPr>
-            <p:ph type="body" sz="half" idx="2"/>
-          </p:nvPr>
-        </p:nvSpPr>
-        <p:spPr/>
-        <p:txBody>
-          <a:bodyPr/>
-          <a:lstStyle/>
-          <a:p>
-            <a:r>
-              <a:rPr lang="es-AR" dirty="0" smtClean="0"/>
-              <a:t>Reloj con dos manecillas</a:t>
-            </a:r>
-          </a:p>
-          <a:p>
-            <a:r>
-              <a:rPr lang="es-AR" dirty="0" smtClean="0"/>
-              <a:t>Clase en desuso a partir de la API 23</a:t>
-            </a:r>
-            <a:endParaRPr lang="es-AR" dirty="0"/>
-          </a:p>
-        </p:txBody>
-      </p:sp>
+        </p:nvPicPr>
+        <p:blipFill>
+          <a:blip r:embed="rId2">
+            <a:extLst>
+              <a:ext uri="{28A0092B-C50C-407E-A947-70E740481C1C}">
+                <a14:useLocalDpi xmlns:a14="http://schemas.microsoft.com/office/drawing/2010/main" val="0"/>
+              </a:ext>
+            </a:extLst>
+          </a:blip>
+          <a:srcRect t="3414" b="3414"/>
+          <a:stretch>
+            <a:fillRect/>
+          </a:stretch>
+        </p:blipFill>
+        <p:spPr bwMode="auto">
+          <a:xfrm>
+            <a:off x="7535863" y="349623"/>
+            <a:ext cx="3281362" cy="6105525"/>
+          </a:xfrm>
+          <a:prstGeom prst="rect">
+            <a:avLst/>
+          </a:prstGeom>
+          <a:noFill/>
+          <a:extLst>
+            <a:ext uri="{909E8E84-426E-40DD-AFC4-6F175D3DCCD1}">
+              <a14:hiddenFill xmlns:a14="http://schemas.microsoft.com/office/drawing/2010/main">
+                <a:solidFill>
+                  <a:srgbClr val="FFFFFF"/>
+                </a:solidFill>
+              </a14:hiddenFill>
+            </a:ext>
+          </a:extLst>
+        </p:spPr>
+      </p:pic>
     </p:spTree>
     <p:extLst>
       <p:ext uri="{BB962C8B-B14F-4D97-AF65-F5344CB8AC3E}">
@@ -6293,39 +6366,82 @@
       </p:sp>
       <p:sp>
         <p:nvSpPr>
-          <p:cNvPr id="9" name="Marcador de posición de imagen 8"/>
-          <p:cNvSpPr>
-            <a:spLocks noGrp="1"/>
-          </p:cNvSpPr>
+          <p:cNvPr id="10" name="Marcador de texto 9"/>
+          <p:cNvSpPr>
+            <a:spLocks noGrp="1"/>
+          </p:cNvSpPr>
+          <p:nvPr>
+            <p:ph type="body" sz="half" idx="2"/>
+          </p:nvPr>
+        </p:nvSpPr>
+        <p:spPr/>
+        <p:txBody>
+          <a:bodyPr/>
+          <a:lstStyle/>
+          <a:p>
+            <a:r>
+              <a:rPr lang="es-AR" dirty="0" smtClean="0"/>
+              <a:t>Es un </a:t>
+            </a:r>
+            <a:r>
+              <a:rPr lang="es-AR" dirty="0"/>
+              <a:t>widget igual que puede mostrar la fecha y/o horas actuales como una cadena con formato. Se lo utiliza como reemplazante del </a:t>
+            </a:r>
+            <a:r>
+              <a:rPr lang="es-AR" dirty="0" err="1"/>
+              <a:t>DigitalClock</a:t>
+            </a:r>
+            <a:r>
+              <a:rPr lang="es-AR" dirty="0"/>
+              <a:t> que quedo en desuso a partir de API 17.</a:t>
+            </a:r>
+            <a:endParaRPr lang="es-AR" dirty="0"/>
+          </a:p>
+        </p:txBody>
+      </p:sp>
+      <p:pic>
+        <p:nvPicPr>
+          <p:cNvPr id="5130" name="Picture 10" descr="https://lh3.googleusercontent.com/-uhWMqQa_Io8Y3JiY__wEDmesaNpR0Nha5TQhGO3I2uBa12W5p5y9GMu_ONb9Rn88yCuxx4BBuIgi4BWmRK1ZfbBjjrIg62a4-b_pxowfxHUeMRXJX6kCaXQ-sFJLlhtx9A0TCgrHYQFoJBfloqDAK23ko2HukGUZhjgfy8GeNgkD5f8bTuQavVC-xHvBSZC-Hn_adipDUiCsLsoztFsv55tTUujInlxbaJR8e2L7OqmK65qk87D_Cw3sCKBuv9nSq-Ui5V_ciKMEnNK0eH4Qg-oWDdVZSkDbZzAuHl-L1hvEkYjxfKv8r5zelcWyUK5IoZECyDlB913OlgMbDDDqh0dy1nWh0Nn3q75X0F53MWsV3NGw6mxcyvwV4tpUjMouFqjbJsd-w5M9E7vosDvpuPL9PRvjaGvv8g7c8M0O3DO5HXH39_U6Ut5yaTf7mpEoFVBZHgXlXNIEwkLYIWqXg5hDnZEzLqT8hSYCg3l7iA25P03UiAXIds_BTM10bh-4AvEUjmRhBDy_APBS3XhXLzPXh3DnrjGGWZUpLbGbHtCPLtFnJhGoDgfh8VLEVLrIENP4I5c_J9lYR4lwtBmzm5ISANYa6WSrvJ0bijTabuQwUQueBweos7P92c-2-fieJkNufL__twWyMBKk-CBj6Z6lPN3scGlE8VuirTgG-PdpmINFh7W8EBVgaoWXHDeJc7jwuisjQYRnUINjroprYFs=w334-h667-no?authuser=0"/>
+          <p:cNvPicPr>
+            <a:picLocks noGrp="1" noChangeAspect="1" noChangeArrowheads="1"/>
+          </p:cNvPicPr>
           <p:nvPr>
             <p:ph type="pic" idx="1"/>
           </p:nvPr>
-        </p:nvSpPr>
-        <p:spPr/>
-      </p:sp>
-      <p:sp>
-        <p:nvSpPr>
-          <p:cNvPr id="10" name="Marcador de texto 9"/>
-          <p:cNvSpPr>
-            <a:spLocks noGrp="1"/>
-          </p:cNvSpPr>
-          <p:nvPr>
-            <p:ph type="body" sz="half" idx="2"/>
-          </p:nvPr>
-        </p:nvSpPr>
-        <p:spPr/>
-        <p:txBody>
-          <a:bodyPr/>
-          <a:lstStyle/>
-          <a:p>
-            <a:r>
-              <a:rPr lang="es-AR" dirty="0" smtClean="0"/>
-              <a:t>Fecha y/u hora mostrada en una cadena.</a:t>
-            </a:r>
-            <a:endParaRPr lang="es-AR" dirty="0"/>
-          </a:p>
-        </p:txBody>
-      </p:sp>
+        </p:nvPicPr>
+        <p:blipFill>
+          <a:blip r:embed="rId2">
+            <a:extLst>
+              <a:ext uri="{28A0092B-C50C-407E-A947-70E740481C1C}">
+                <a14:useLocalDpi xmlns:a14="http://schemas.microsoft.com/office/drawing/2010/main" val="0"/>
+              </a:ext>
+            </a:extLst>
+          </a:blip>
+          <a:srcRect t="1778" b="1778"/>
+          <a:stretch>
+            <a:fillRect/>
+          </a:stretch>
+        </p:blipFill>
+        <p:spPr bwMode="auto">
+          <a:xfrm>
+            <a:off x="7535863" y="201613"/>
+            <a:ext cx="3281362" cy="6319837"/>
+          </a:xfrm>
+          <a:prstGeom prst="rect">
+            <a:avLst/>
+          </a:prstGeom>
+          <a:noFill/>
+          <a:extLst>
+            <a:ext uri="{909E8E84-426E-40DD-AFC4-6F175D3DCCD1}">
+              <a14:hiddenFill xmlns:a14="http://schemas.microsoft.com/office/drawing/2010/main">
+                <a:solidFill>
+                  <a:srgbClr val="FFFFFF"/>
+                </a:solidFill>
+              </a14:hiddenFill>
+            </a:ext>
+          </a:extLst>
+        </p:spPr>
+      </p:pic>
     </p:spTree>
     <p:extLst>
       <p:ext uri="{BB962C8B-B14F-4D97-AF65-F5344CB8AC3E}">
@@ -6386,18 +6502,33 @@
           </a:p>
         </p:txBody>
       </p:sp>
-      <p:sp>
-        <p:nvSpPr>
-          <p:cNvPr id="3" name="Marcador de posición de imagen 2"/>
-          <p:cNvSpPr>
-            <a:spLocks noGrp="1"/>
-          </p:cNvSpPr>
+      <p:pic>
+        <p:nvPicPr>
+          <p:cNvPr id="6" name="Marcador de posición de imagen 5"/>
+          <p:cNvPicPr>
+            <a:picLocks noGrp="1" noChangeAspect="1"/>
+          </p:cNvPicPr>
           <p:nvPr>
             <p:ph type="pic" idx="1"/>
           </p:nvPr>
-        </p:nvSpPr>
-        <p:spPr/>
-      </p:sp>
+        </p:nvPicPr>
+        <p:blipFill>
+          <a:blip r:embed="rId2"/>
+          <a:srcRect l="3563" r="3563"/>
+          <a:stretch>
+            <a:fillRect/>
+          </a:stretch>
+        </p:blipFill>
+        <p:spPr>
+          <a:xfrm>
+            <a:off x="7535863" y="228600"/>
+            <a:ext cx="3281362" cy="6253163"/>
+          </a:xfrm>
+          <a:prstGeom prst="rect">
+            <a:avLst/>
+          </a:prstGeom>
+        </p:spPr>
+      </p:pic>
       <p:sp>
         <p:nvSpPr>
           <p:cNvPr id="4" name="Marcador de texto 3"/>
@@ -6493,18 +6624,29 @@
           </a:p>
         </p:txBody>
       </p:sp>
-      <p:sp>
-        <p:nvSpPr>
-          <p:cNvPr id="3" name="Marcador de posición de imagen 2"/>
-          <p:cNvSpPr>
-            <a:spLocks noGrp="1"/>
-          </p:cNvSpPr>
+      <p:pic>
+        <p:nvPicPr>
+          <p:cNvPr id="9" name="Marcador de posición de imagen 8"/>
+          <p:cNvPicPr>
+            <a:picLocks noGrp="1" noChangeAspect="1"/>
+          </p:cNvPicPr>
           <p:nvPr>
             <p:ph type="pic" idx="1"/>
           </p:nvPr>
-        </p:nvSpPr>
-        <p:spPr/>
-      </p:sp>
+        </p:nvPicPr>
+        <p:blipFill>
+          <a:blip r:embed="rId2"/>
+          <a:srcRect t="2555" b="2555"/>
+          <a:stretch>
+            <a:fillRect/>
+          </a:stretch>
+        </p:blipFill>
+        <p:spPr>
+          <a:prstGeom prst="rect">
+            <a:avLst/>
+          </a:prstGeom>
+        </p:spPr>
+      </p:pic>
       <p:sp>
         <p:nvSpPr>
           <p:cNvPr id="4" name="Marcador de texto 3"/>
@@ -6581,8 +6723,8 @@
           <a:lstStyle/>
           <a:p>
             <a:r>
-              <a:rPr lang="es-AR" dirty="0" err="1" smtClean="0"/>
-              <a:t>IMagenes</a:t>
+              <a:rPr lang="es-AR" dirty="0" smtClean="0"/>
+              <a:t>Imágenes</a:t>
             </a:r>
             <a:endParaRPr lang="es-AR" dirty="0"/>
           </a:p>
@@ -6667,18 +6809,29 @@
           </a:p>
         </p:txBody>
       </p:sp>
-      <p:sp>
-        <p:nvSpPr>
-          <p:cNvPr id="3" name="Marcador de posición de imagen 2"/>
-          <p:cNvSpPr>
-            <a:spLocks noGrp="1"/>
-          </p:cNvSpPr>
+      <p:pic>
+        <p:nvPicPr>
+          <p:cNvPr id="5" name="Marcador de posición de imagen 4"/>
+          <p:cNvPicPr>
+            <a:picLocks noGrp="1" noChangeAspect="1"/>
+          </p:cNvPicPr>
           <p:nvPr>
             <p:ph type="pic" idx="1"/>
           </p:nvPr>
-        </p:nvSpPr>
-        <p:spPr/>
-      </p:sp>
+        </p:nvPicPr>
+        <p:blipFill>
+          <a:blip r:embed="rId2"/>
+          <a:srcRect l="3213" r="3213"/>
+          <a:stretch>
+            <a:fillRect/>
+          </a:stretch>
+        </p:blipFill>
+        <p:spPr>
+          <a:prstGeom prst="rect">
+            <a:avLst/>
+          </a:prstGeom>
+        </p:spPr>
+      </p:pic>
       <p:sp>
         <p:nvSpPr>
           <p:cNvPr id="4" name="Marcador de texto 3"/>
@@ -6695,22 +6848,16 @@
           <a:lstStyle/>
           <a:p>
             <a:r>
-              <a:rPr lang="es-AR" dirty="0" smtClean="0"/>
-              <a:t>Imágenes en </a:t>
-            </a:r>
-            <a:r>
-              <a:rPr lang="es-AR" dirty="0" err="1" smtClean="0"/>
-              <a:t>Layout</a:t>
-            </a:r>
-            <a:r>
-              <a:rPr lang="es-AR" dirty="0" smtClean="0"/>
-              <a:t>.</a:t>
-            </a:r>
-          </a:p>
-          <a:p>
-            <a:r>
-              <a:rPr lang="es-AR" dirty="0" smtClean="0"/>
-              <a:t>Recursos para modificar la imagen.</a:t>
+              <a:rPr lang="es-AR" dirty="0"/>
+              <a:t>Es lo que se utiliza para poder agregar imágenes a al </a:t>
+            </a:r>
+            <a:r>
+              <a:rPr lang="es-AR" dirty="0" err="1"/>
+              <a:t>layout</a:t>
+            </a:r>
+            <a:r>
+              <a:rPr lang="es-AR" dirty="0"/>
+              <a:t>, además, ofrece los recursos necesarios para poder modificar la imagen a nuestro gusto, como por ejemplo, el escalado de la imagen</a:t>
             </a:r>
             <a:endParaRPr lang="es-AR" dirty="0"/>
           </a:p>
@@ -6776,18 +6923,29 @@
           </a:p>
         </p:txBody>
       </p:sp>
-      <p:sp>
-        <p:nvSpPr>
-          <p:cNvPr id="3" name="Marcador de posición de imagen 2"/>
-          <p:cNvSpPr>
-            <a:spLocks noGrp="1"/>
-          </p:cNvSpPr>
+      <p:pic>
+        <p:nvPicPr>
+          <p:cNvPr id="6" name="Marcador de posición de imagen 5"/>
+          <p:cNvPicPr>
+            <a:picLocks noGrp="1" noChangeAspect="1"/>
+          </p:cNvPicPr>
           <p:nvPr>
             <p:ph type="pic" idx="1"/>
           </p:nvPr>
-        </p:nvSpPr>
-        <p:spPr/>
-      </p:sp>
+        </p:nvPicPr>
+        <p:blipFill>
+          <a:blip r:embed="rId2"/>
+          <a:srcRect l="12758" r="12758"/>
+          <a:stretch>
+            <a:fillRect/>
+          </a:stretch>
+        </p:blipFill>
+        <p:spPr>
+          <a:prstGeom prst="rect">
+            <a:avLst/>
+          </a:prstGeom>
+        </p:spPr>
+      </p:pic>
       <p:sp>
         <p:nvSpPr>
           <p:cNvPr id="4" name="Marcador de texto 3"/>
@@ -6804,8 +6962,16 @@
           <a:lstStyle/>
           <a:p>
             <a:r>
+              <a:rPr lang="es-AR" dirty="0"/>
+              <a:t>Muestra un botón con una imagen (en lugar de texto) en la que el usuario puede pulsar o hacer </a:t>
+            </a:r>
+            <a:r>
+              <a:rPr lang="es-AR" dirty="0" err="1" smtClean="0"/>
+              <a:t>click</a:t>
+            </a:r>
+            <a:r>
               <a:rPr lang="es-AR" dirty="0" smtClean="0"/>
-              <a:t>Imagen que se utiliza como botón.</a:t>
+              <a:t>.</a:t>
             </a:r>
             <a:endParaRPr lang="es-AR" dirty="0"/>
           </a:p>
